--- a/media/vaast-keyboard.pptx
+++ b/media/vaast-keyboard.pptx
@@ -7,8 +7,6 @@
   <p:sldIdLst>
     <p:sldId id="256" r:id="rId2"/>
     <p:sldId id="257" r:id="rId3"/>
-    <p:sldId id="259" r:id="rId4"/>
-    <p:sldId id="258" r:id="rId5"/>
   </p:sldIdLst>
   <p:sldSz cx="12192000" cy="6858000"/>
   <p:notesSz cx="6858000" cy="9144000"/>
@@ -137,7 +135,7 @@
           <p:cNvPr id="2" name="Titre 1">
             <a:extLst>
               <a:ext uri="{FF2B5EF4-FFF2-40B4-BE49-F238E27FC236}">
-                <a16:creationId xmlns:a16="http://schemas.microsoft.com/office/drawing/2014/main" xmlns="" id="{50D0BC27-3D3B-4C4C-9441-FBF1FE31D23E}"/>
+                <a16:creationId xmlns:a16="http://schemas.microsoft.com/office/drawing/2014/main" id="{50D0BC27-3D3B-4C4C-9441-FBF1FE31D23E}"/>
               </a:ext>
             </a:extLst>
           </p:cNvPr>
@@ -174,7 +172,7 @@
           <p:cNvPr id="3" name="Sous-titre 2">
             <a:extLst>
               <a:ext uri="{FF2B5EF4-FFF2-40B4-BE49-F238E27FC236}">
-                <a16:creationId xmlns:a16="http://schemas.microsoft.com/office/drawing/2014/main" xmlns="" id="{831A7FA4-8C66-4D4A-817F-D6F0F70E3AD1}"/>
+                <a16:creationId xmlns:a16="http://schemas.microsoft.com/office/drawing/2014/main" id="{831A7FA4-8C66-4D4A-817F-D6F0F70E3AD1}"/>
               </a:ext>
             </a:extLst>
           </p:cNvPr>
@@ -244,7 +242,7 @@
           <p:cNvPr id="4" name="Espace réservé de la date 3">
             <a:extLst>
               <a:ext uri="{FF2B5EF4-FFF2-40B4-BE49-F238E27FC236}">
-                <a16:creationId xmlns:a16="http://schemas.microsoft.com/office/drawing/2014/main" xmlns="" id="{100C44A6-8D69-43A6-AAF3-69012DB44A73}"/>
+                <a16:creationId xmlns:a16="http://schemas.microsoft.com/office/drawing/2014/main" id="{100C44A6-8D69-43A6-AAF3-69012DB44A73}"/>
               </a:ext>
             </a:extLst>
           </p:cNvPr>
@@ -262,7 +260,7 @@
           <a:p>
             <a:fld id="{A3F3EA1E-F417-43FF-B8E8-49A1DF7D9404}" type="datetimeFigureOut">
               <a:rPr lang="fr-FR" smtClean="0"/>
-              <a:t>13/11/2023</a:t>
+              <a:t>07/11/2024</a:t>
             </a:fld>
             <a:endParaRPr lang="fr-FR"/>
           </a:p>
@@ -273,7 +271,7 @@
           <p:cNvPr id="5" name="Espace réservé du pied de page 4">
             <a:extLst>
               <a:ext uri="{FF2B5EF4-FFF2-40B4-BE49-F238E27FC236}">
-                <a16:creationId xmlns:a16="http://schemas.microsoft.com/office/drawing/2014/main" xmlns="" id="{3FFC31E3-1F28-4D0A-9296-BF6A0FBB190B}"/>
+                <a16:creationId xmlns:a16="http://schemas.microsoft.com/office/drawing/2014/main" id="{3FFC31E3-1F28-4D0A-9296-BF6A0FBB190B}"/>
               </a:ext>
             </a:extLst>
           </p:cNvPr>
@@ -298,7 +296,7 @@
           <p:cNvPr id="6" name="Espace réservé du numéro de diapositive 5">
             <a:extLst>
               <a:ext uri="{FF2B5EF4-FFF2-40B4-BE49-F238E27FC236}">
-                <a16:creationId xmlns:a16="http://schemas.microsoft.com/office/drawing/2014/main" xmlns="" id="{D1ABC466-28A6-4E85-93A5-667A0DB71FC9}"/>
+                <a16:creationId xmlns:a16="http://schemas.microsoft.com/office/drawing/2014/main" id="{D1ABC466-28A6-4E85-93A5-667A0DB71FC9}"/>
               </a:ext>
             </a:extLst>
           </p:cNvPr>
@@ -316,7 +314,7 @@
           <a:p>
             <a:fld id="{AE42E666-9826-403D-B15A-1A2B2CE5C4E0}" type="slidenum">
               <a:rPr lang="fr-FR" smtClean="0"/>
-              <a:t>‹#›</a:t>
+              <a:t>‹N°›</a:t>
             </a:fld>
             <a:endParaRPr lang="fr-FR"/>
           </a:p>
@@ -357,7 +355,7 @@
           <p:cNvPr id="2" name="Titre 1">
             <a:extLst>
               <a:ext uri="{FF2B5EF4-FFF2-40B4-BE49-F238E27FC236}">
-                <a16:creationId xmlns:a16="http://schemas.microsoft.com/office/drawing/2014/main" xmlns="" id="{7F6A937E-296C-4250-9AC6-379E50CE051E}"/>
+                <a16:creationId xmlns:a16="http://schemas.microsoft.com/office/drawing/2014/main" id="{7F6A937E-296C-4250-9AC6-379E50CE051E}"/>
               </a:ext>
             </a:extLst>
           </p:cNvPr>
@@ -385,7 +383,7 @@
           <p:cNvPr id="3" name="Espace réservé du texte vertical 2">
             <a:extLst>
               <a:ext uri="{FF2B5EF4-FFF2-40B4-BE49-F238E27FC236}">
-                <a16:creationId xmlns:a16="http://schemas.microsoft.com/office/drawing/2014/main" xmlns="" id="{57417771-D2FB-4C67-A122-ADEE2472C8AC}"/>
+                <a16:creationId xmlns:a16="http://schemas.microsoft.com/office/drawing/2014/main" id="{57417771-D2FB-4C67-A122-ADEE2472C8AC}"/>
               </a:ext>
             </a:extLst>
           </p:cNvPr>
@@ -442,7 +440,7 @@
           <p:cNvPr id="4" name="Espace réservé de la date 3">
             <a:extLst>
               <a:ext uri="{FF2B5EF4-FFF2-40B4-BE49-F238E27FC236}">
-                <a16:creationId xmlns:a16="http://schemas.microsoft.com/office/drawing/2014/main" xmlns="" id="{35EAFE5C-7B39-4785-A0A0-F00C6768DBF6}"/>
+                <a16:creationId xmlns:a16="http://schemas.microsoft.com/office/drawing/2014/main" id="{35EAFE5C-7B39-4785-A0A0-F00C6768DBF6}"/>
               </a:ext>
             </a:extLst>
           </p:cNvPr>
@@ -460,7 +458,7 @@
           <a:p>
             <a:fld id="{A3F3EA1E-F417-43FF-B8E8-49A1DF7D9404}" type="datetimeFigureOut">
               <a:rPr lang="fr-FR" smtClean="0"/>
-              <a:t>13/11/2023</a:t>
+              <a:t>07/11/2024</a:t>
             </a:fld>
             <a:endParaRPr lang="fr-FR"/>
           </a:p>
@@ -471,7 +469,7 @@
           <p:cNvPr id="5" name="Espace réservé du pied de page 4">
             <a:extLst>
               <a:ext uri="{FF2B5EF4-FFF2-40B4-BE49-F238E27FC236}">
-                <a16:creationId xmlns:a16="http://schemas.microsoft.com/office/drawing/2014/main" xmlns="" id="{A2EB4B77-F367-4896-9A41-37982E933502}"/>
+                <a16:creationId xmlns:a16="http://schemas.microsoft.com/office/drawing/2014/main" id="{A2EB4B77-F367-4896-9A41-37982E933502}"/>
               </a:ext>
             </a:extLst>
           </p:cNvPr>
@@ -496,7 +494,7 @@
           <p:cNvPr id="6" name="Espace réservé du numéro de diapositive 5">
             <a:extLst>
               <a:ext uri="{FF2B5EF4-FFF2-40B4-BE49-F238E27FC236}">
-                <a16:creationId xmlns:a16="http://schemas.microsoft.com/office/drawing/2014/main" xmlns="" id="{C4B0386F-BA89-469C-8F26-A1F0B2CC4F18}"/>
+                <a16:creationId xmlns:a16="http://schemas.microsoft.com/office/drawing/2014/main" id="{C4B0386F-BA89-469C-8F26-A1F0B2CC4F18}"/>
               </a:ext>
             </a:extLst>
           </p:cNvPr>
@@ -514,7 +512,7 @@
           <a:p>
             <a:fld id="{AE42E666-9826-403D-B15A-1A2B2CE5C4E0}" type="slidenum">
               <a:rPr lang="fr-FR" smtClean="0"/>
-              <a:t>‹#›</a:t>
+              <a:t>‹N°›</a:t>
             </a:fld>
             <a:endParaRPr lang="fr-FR"/>
           </a:p>
@@ -555,7 +553,7 @@
           <p:cNvPr id="2" name="Titre vertical 1">
             <a:extLst>
               <a:ext uri="{FF2B5EF4-FFF2-40B4-BE49-F238E27FC236}">
-                <a16:creationId xmlns:a16="http://schemas.microsoft.com/office/drawing/2014/main" xmlns="" id="{937A1F17-97B8-4C13-9F72-3ADB091AFB4A}"/>
+                <a16:creationId xmlns:a16="http://schemas.microsoft.com/office/drawing/2014/main" id="{937A1F17-97B8-4C13-9F72-3ADB091AFB4A}"/>
               </a:ext>
             </a:extLst>
           </p:cNvPr>
@@ -588,7 +586,7 @@
           <p:cNvPr id="3" name="Espace réservé du texte vertical 2">
             <a:extLst>
               <a:ext uri="{FF2B5EF4-FFF2-40B4-BE49-F238E27FC236}">
-                <a16:creationId xmlns:a16="http://schemas.microsoft.com/office/drawing/2014/main" xmlns="" id="{6D6F0005-F546-497A-9C5B-51D9E70E92F7}"/>
+                <a16:creationId xmlns:a16="http://schemas.microsoft.com/office/drawing/2014/main" id="{6D6F0005-F546-497A-9C5B-51D9E70E92F7}"/>
               </a:ext>
             </a:extLst>
           </p:cNvPr>
@@ -650,7 +648,7 @@
           <p:cNvPr id="4" name="Espace réservé de la date 3">
             <a:extLst>
               <a:ext uri="{FF2B5EF4-FFF2-40B4-BE49-F238E27FC236}">
-                <a16:creationId xmlns:a16="http://schemas.microsoft.com/office/drawing/2014/main" xmlns="" id="{B35F546D-A47B-47FE-BA99-C84F1B7F3A70}"/>
+                <a16:creationId xmlns:a16="http://schemas.microsoft.com/office/drawing/2014/main" id="{B35F546D-A47B-47FE-BA99-C84F1B7F3A70}"/>
               </a:ext>
             </a:extLst>
           </p:cNvPr>
@@ -668,7 +666,7 @@
           <a:p>
             <a:fld id="{A3F3EA1E-F417-43FF-B8E8-49A1DF7D9404}" type="datetimeFigureOut">
               <a:rPr lang="fr-FR" smtClean="0"/>
-              <a:t>13/11/2023</a:t>
+              <a:t>07/11/2024</a:t>
             </a:fld>
             <a:endParaRPr lang="fr-FR"/>
           </a:p>
@@ -679,7 +677,7 @@
           <p:cNvPr id="5" name="Espace réservé du pied de page 4">
             <a:extLst>
               <a:ext uri="{FF2B5EF4-FFF2-40B4-BE49-F238E27FC236}">
-                <a16:creationId xmlns:a16="http://schemas.microsoft.com/office/drawing/2014/main" xmlns="" id="{16D707B7-DE16-45D2-8E00-C1935F6DBCD9}"/>
+                <a16:creationId xmlns:a16="http://schemas.microsoft.com/office/drawing/2014/main" id="{16D707B7-DE16-45D2-8E00-C1935F6DBCD9}"/>
               </a:ext>
             </a:extLst>
           </p:cNvPr>
@@ -704,7 +702,7 @@
           <p:cNvPr id="6" name="Espace réservé du numéro de diapositive 5">
             <a:extLst>
               <a:ext uri="{FF2B5EF4-FFF2-40B4-BE49-F238E27FC236}">
-                <a16:creationId xmlns:a16="http://schemas.microsoft.com/office/drawing/2014/main" xmlns="" id="{D62A4451-1951-44C1-A870-99253F190E50}"/>
+                <a16:creationId xmlns:a16="http://schemas.microsoft.com/office/drawing/2014/main" id="{D62A4451-1951-44C1-A870-99253F190E50}"/>
               </a:ext>
             </a:extLst>
           </p:cNvPr>
@@ -722,7 +720,7 @@
           <a:p>
             <a:fld id="{AE42E666-9826-403D-B15A-1A2B2CE5C4E0}" type="slidenum">
               <a:rPr lang="fr-FR" smtClean="0"/>
-              <a:t>‹#›</a:t>
+              <a:t>‹N°›</a:t>
             </a:fld>
             <a:endParaRPr lang="fr-FR"/>
           </a:p>
@@ -763,7 +761,7 @@
           <p:cNvPr id="2" name="Titre 1">
             <a:extLst>
               <a:ext uri="{FF2B5EF4-FFF2-40B4-BE49-F238E27FC236}">
-                <a16:creationId xmlns:a16="http://schemas.microsoft.com/office/drawing/2014/main" xmlns="" id="{171D054A-8D09-4F2D-9B63-6EE7AC0D19D5}"/>
+                <a16:creationId xmlns:a16="http://schemas.microsoft.com/office/drawing/2014/main" id="{171D054A-8D09-4F2D-9B63-6EE7AC0D19D5}"/>
               </a:ext>
             </a:extLst>
           </p:cNvPr>
@@ -791,7 +789,7 @@
           <p:cNvPr id="3" name="Espace réservé du contenu 2">
             <a:extLst>
               <a:ext uri="{FF2B5EF4-FFF2-40B4-BE49-F238E27FC236}">
-                <a16:creationId xmlns:a16="http://schemas.microsoft.com/office/drawing/2014/main" xmlns="" id="{EBE3B7FE-AB8C-495B-90BD-033DBB9D2763}"/>
+                <a16:creationId xmlns:a16="http://schemas.microsoft.com/office/drawing/2014/main" id="{EBE3B7FE-AB8C-495B-90BD-033DBB9D2763}"/>
               </a:ext>
             </a:extLst>
           </p:cNvPr>
@@ -848,7 +846,7 @@
           <p:cNvPr id="4" name="Espace réservé de la date 3">
             <a:extLst>
               <a:ext uri="{FF2B5EF4-FFF2-40B4-BE49-F238E27FC236}">
-                <a16:creationId xmlns:a16="http://schemas.microsoft.com/office/drawing/2014/main" xmlns="" id="{08F4439D-BA35-48CD-A020-4BD2F792D788}"/>
+                <a16:creationId xmlns:a16="http://schemas.microsoft.com/office/drawing/2014/main" id="{08F4439D-BA35-48CD-A020-4BD2F792D788}"/>
               </a:ext>
             </a:extLst>
           </p:cNvPr>
@@ -866,7 +864,7 @@
           <a:p>
             <a:fld id="{A3F3EA1E-F417-43FF-B8E8-49A1DF7D9404}" type="datetimeFigureOut">
               <a:rPr lang="fr-FR" smtClean="0"/>
-              <a:t>13/11/2023</a:t>
+              <a:t>07/11/2024</a:t>
             </a:fld>
             <a:endParaRPr lang="fr-FR"/>
           </a:p>
@@ -877,7 +875,7 @@
           <p:cNvPr id="5" name="Espace réservé du pied de page 4">
             <a:extLst>
               <a:ext uri="{FF2B5EF4-FFF2-40B4-BE49-F238E27FC236}">
-                <a16:creationId xmlns:a16="http://schemas.microsoft.com/office/drawing/2014/main" xmlns="" id="{76779D80-263D-49A0-B501-887533D8ABCF}"/>
+                <a16:creationId xmlns:a16="http://schemas.microsoft.com/office/drawing/2014/main" id="{76779D80-263D-49A0-B501-887533D8ABCF}"/>
               </a:ext>
             </a:extLst>
           </p:cNvPr>
@@ -902,7 +900,7 @@
           <p:cNvPr id="6" name="Espace réservé du numéro de diapositive 5">
             <a:extLst>
               <a:ext uri="{FF2B5EF4-FFF2-40B4-BE49-F238E27FC236}">
-                <a16:creationId xmlns:a16="http://schemas.microsoft.com/office/drawing/2014/main" xmlns="" id="{B693CB84-EF07-42D3-8CA6-61F47181A1F9}"/>
+                <a16:creationId xmlns:a16="http://schemas.microsoft.com/office/drawing/2014/main" id="{B693CB84-EF07-42D3-8CA6-61F47181A1F9}"/>
               </a:ext>
             </a:extLst>
           </p:cNvPr>
@@ -920,7 +918,7 @@
           <a:p>
             <a:fld id="{AE42E666-9826-403D-B15A-1A2B2CE5C4E0}" type="slidenum">
               <a:rPr lang="fr-FR" smtClean="0"/>
-              <a:t>‹#›</a:t>
+              <a:t>‹N°›</a:t>
             </a:fld>
             <a:endParaRPr lang="fr-FR"/>
           </a:p>
@@ -961,7 +959,7 @@
           <p:cNvPr id="2" name="Titre 1">
             <a:extLst>
               <a:ext uri="{FF2B5EF4-FFF2-40B4-BE49-F238E27FC236}">
-                <a16:creationId xmlns:a16="http://schemas.microsoft.com/office/drawing/2014/main" xmlns="" id="{8FB62D90-7E6D-4573-9EFF-F823AA8262BD}"/>
+                <a16:creationId xmlns:a16="http://schemas.microsoft.com/office/drawing/2014/main" id="{8FB62D90-7E6D-4573-9EFF-F823AA8262BD}"/>
               </a:ext>
             </a:extLst>
           </p:cNvPr>
@@ -998,7 +996,7 @@
           <p:cNvPr id="3" name="Espace réservé du texte 2">
             <a:extLst>
               <a:ext uri="{FF2B5EF4-FFF2-40B4-BE49-F238E27FC236}">
-                <a16:creationId xmlns:a16="http://schemas.microsoft.com/office/drawing/2014/main" xmlns="" id="{591A6F27-5F79-4EF1-A917-9610DB98E566}"/>
+                <a16:creationId xmlns:a16="http://schemas.microsoft.com/office/drawing/2014/main" id="{591A6F27-5F79-4EF1-A917-9610DB98E566}"/>
               </a:ext>
             </a:extLst>
           </p:cNvPr>
@@ -1123,7 +1121,7 @@
           <p:cNvPr id="4" name="Espace réservé de la date 3">
             <a:extLst>
               <a:ext uri="{FF2B5EF4-FFF2-40B4-BE49-F238E27FC236}">
-                <a16:creationId xmlns:a16="http://schemas.microsoft.com/office/drawing/2014/main" xmlns="" id="{346F5C9C-B5C9-47A1-820C-6FC0734C3201}"/>
+                <a16:creationId xmlns:a16="http://schemas.microsoft.com/office/drawing/2014/main" id="{346F5C9C-B5C9-47A1-820C-6FC0734C3201}"/>
               </a:ext>
             </a:extLst>
           </p:cNvPr>
@@ -1141,7 +1139,7 @@
           <a:p>
             <a:fld id="{A3F3EA1E-F417-43FF-B8E8-49A1DF7D9404}" type="datetimeFigureOut">
               <a:rPr lang="fr-FR" smtClean="0"/>
-              <a:t>13/11/2023</a:t>
+              <a:t>07/11/2024</a:t>
             </a:fld>
             <a:endParaRPr lang="fr-FR"/>
           </a:p>
@@ -1152,7 +1150,7 @@
           <p:cNvPr id="5" name="Espace réservé du pied de page 4">
             <a:extLst>
               <a:ext uri="{FF2B5EF4-FFF2-40B4-BE49-F238E27FC236}">
-                <a16:creationId xmlns:a16="http://schemas.microsoft.com/office/drawing/2014/main" xmlns="" id="{E83BF1AF-7CE5-4EF9-AAAF-8A3CC98BBAFD}"/>
+                <a16:creationId xmlns:a16="http://schemas.microsoft.com/office/drawing/2014/main" id="{E83BF1AF-7CE5-4EF9-AAAF-8A3CC98BBAFD}"/>
               </a:ext>
             </a:extLst>
           </p:cNvPr>
@@ -1177,7 +1175,7 @@
           <p:cNvPr id="6" name="Espace réservé du numéro de diapositive 5">
             <a:extLst>
               <a:ext uri="{FF2B5EF4-FFF2-40B4-BE49-F238E27FC236}">
-                <a16:creationId xmlns:a16="http://schemas.microsoft.com/office/drawing/2014/main" xmlns="" id="{7B68AE3F-66D6-412D-8C1A-CA2C5BE36821}"/>
+                <a16:creationId xmlns:a16="http://schemas.microsoft.com/office/drawing/2014/main" id="{7B68AE3F-66D6-412D-8C1A-CA2C5BE36821}"/>
               </a:ext>
             </a:extLst>
           </p:cNvPr>
@@ -1195,7 +1193,7 @@
           <a:p>
             <a:fld id="{AE42E666-9826-403D-B15A-1A2B2CE5C4E0}" type="slidenum">
               <a:rPr lang="fr-FR" smtClean="0"/>
-              <a:t>‹#›</a:t>
+              <a:t>‹N°›</a:t>
             </a:fld>
             <a:endParaRPr lang="fr-FR"/>
           </a:p>
@@ -1236,7 +1234,7 @@
           <p:cNvPr id="2" name="Titre 1">
             <a:extLst>
               <a:ext uri="{FF2B5EF4-FFF2-40B4-BE49-F238E27FC236}">
-                <a16:creationId xmlns:a16="http://schemas.microsoft.com/office/drawing/2014/main" xmlns="" id="{6CBECD8E-0F6B-4B57-963F-A8F0AC9A82A1}"/>
+                <a16:creationId xmlns:a16="http://schemas.microsoft.com/office/drawing/2014/main" id="{6CBECD8E-0F6B-4B57-963F-A8F0AC9A82A1}"/>
               </a:ext>
             </a:extLst>
           </p:cNvPr>
@@ -1264,7 +1262,7 @@
           <p:cNvPr id="3" name="Espace réservé du contenu 2">
             <a:extLst>
               <a:ext uri="{FF2B5EF4-FFF2-40B4-BE49-F238E27FC236}">
-                <a16:creationId xmlns:a16="http://schemas.microsoft.com/office/drawing/2014/main" xmlns="" id="{DABA51CD-4016-4261-BCF2-3276D74C02EC}"/>
+                <a16:creationId xmlns:a16="http://schemas.microsoft.com/office/drawing/2014/main" id="{DABA51CD-4016-4261-BCF2-3276D74C02EC}"/>
               </a:ext>
             </a:extLst>
           </p:cNvPr>
@@ -1326,7 +1324,7 @@
           <p:cNvPr id="4" name="Espace réservé du contenu 3">
             <a:extLst>
               <a:ext uri="{FF2B5EF4-FFF2-40B4-BE49-F238E27FC236}">
-                <a16:creationId xmlns:a16="http://schemas.microsoft.com/office/drawing/2014/main" xmlns="" id="{44AF2F7D-987F-4964-9E65-3C2265972B84}"/>
+                <a16:creationId xmlns:a16="http://schemas.microsoft.com/office/drawing/2014/main" id="{44AF2F7D-987F-4964-9E65-3C2265972B84}"/>
               </a:ext>
             </a:extLst>
           </p:cNvPr>
@@ -1388,7 +1386,7 @@
           <p:cNvPr id="5" name="Espace réservé de la date 4">
             <a:extLst>
               <a:ext uri="{FF2B5EF4-FFF2-40B4-BE49-F238E27FC236}">
-                <a16:creationId xmlns:a16="http://schemas.microsoft.com/office/drawing/2014/main" xmlns="" id="{16FFF72E-B3DD-4AE4-BE46-9992EAC1EEA3}"/>
+                <a16:creationId xmlns:a16="http://schemas.microsoft.com/office/drawing/2014/main" id="{16FFF72E-B3DD-4AE4-BE46-9992EAC1EEA3}"/>
               </a:ext>
             </a:extLst>
           </p:cNvPr>
@@ -1406,7 +1404,7 @@
           <a:p>
             <a:fld id="{A3F3EA1E-F417-43FF-B8E8-49A1DF7D9404}" type="datetimeFigureOut">
               <a:rPr lang="fr-FR" smtClean="0"/>
-              <a:t>13/11/2023</a:t>
+              <a:t>07/11/2024</a:t>
             </a:fld>
             <a:endParaRPr lang="fr-FR"/>
           </a:p>
@@ -1417,7 +1415,7 @@
           <p:cNvPr id="6" name="Espace réservé du pied de page 5">
             <a:extLst>
               <a:ext uri="{FF2B5EF4-FFF2-40B4-BE49-F238E27FC236}">
-                <a16:creationId xmlns:a16="http://schemas.microsoft.com/office/drawing/2014/main" xmlns="" id="{E1B87B59-E2E5-420D-8D70-5D3C895940DD}"/>
+                <a16:creationId xmlns:a16="http://schemas.microsoft.com/office/drawing/2014/main" id="{E1B87B59-E2E5-420D-8D70-5D3C895940DD}"/>
               </a:ext>
             </a:extLst>
           </p:cNvPr>
@@ -1442,7 +1440,7 @@
           <p:cNvPr id="7" name="Espace réservé du numéro de diapositive 6">
             <a:extLst>
               <a:ext uri="{FF2B5EF4-FFF2-40B4-BE49-F238E27FC236}">
-                <a16:creationId xmlns:a16="http://schemas.microsoft.com/office/drawing/2014/main" xmlns="" id="{60283543-B097-455C-821C-585F46A3A8E7}"/>
+                <a16:creationId xmlns:a16="http://schemas.microsoft.com/office/drawing/2014/main" id="{60283543-B097-455C-821C-585F46A3A8E7}"/>
               </a:ext>
             </a:extLst>
           </p:cNvPr>
@@ -1460,7 +1458,7 @@
           <a:p>
             <a:fld id="{AE42E666-9826-403D-B15A-1A2B2CE5C4E0}" type="slidenum">
               <a:rPr lang="fr-FR" smtClean="0"/>
-              <a:t>‹#›</a:t>
+              <a:t>‹N°›</a:t>
             </a:fld>
             <a:endParaRPr lang="fr-FR"/>
           </a:p>
@@ -1501,7 +1499,7 @@
           <p:cNvPr id="2" name="Titre 1">
             <a:extLst>
               <a:ext uri="{FF2B5EF4-FFF2-40B4-BE49-F238E27FC236}">
-                <a16:creationId xmlns:a16="http://schemas.microsoft.com/office/drawing/2014/main" xmlns="" id="{CCF73D6D-490B-4438-8897-3430E9CE4217}"/>
+                <a16:creationId xmlns:a16="http://schemas.microsoft.com/office/drawing/2014/main" id="{CCF73D6D-490B-4438-8897-3430E9CE4217}"/>
               </a:ext>
             </a:extLst>
           </p:cNvPr>
@@ -1534,7 +1532,7 @@
           <p:cNvPr id="3" name="Espace réservé du texte 2">
             <a:extLst>
               <a:ext uri="{FF2B5EF4-FFF2-40B4-BE49-F238E27FC236}">
-                <a16:creationId xmlns:a16="http://schemas.microsoft.com/office/drawing/2014/main" xmlns="" id="{652B5D87-826A-4944-881E-CBAC16513C01}"/>
+                <a16:creationId xmlns:a16="http://schemas.microsoft.com/office/drawing/2014/main" id="{652B5D87-826A-4944-881E-CBAC16513C01}"/>
               </a:ext>
             </a:extLst>
           </p:cNvPr>
@@ -1605,7 +1603,7 @@
           <p:cNvPr id="4" name="Espace réservé du contenu 3">
             <a:extLst>
               <a:ext uri="{FF2B5EF4-FFF2-40B4-BE49-F238E27FC236}">
-                <a16:creationId xmlns:a16="http://schemas.microsoft.com/office/drawing/2014/main" xmlns="" id="{D07E7A04-7BAA-43B0-9F23-A944A7B1F82A}"/>
+                <a16:creationId xmlns:a16="http://schemas.microsoft.com/office/drawing/2014/main" id="{D07E7A04-7BAA-43B0-9F23-A944A7B1F82A}"/>
               </a:ext>
             </a:extLst>
           </p:cNvPr>
@@ -1667,7 +1665,7 @@
           <p:cNvPr id="5" name="Espace réservé du texte 4">
             <a:extLst>
               <a:ext uri="{FF2B5EF4-FFF2-40B4-BE49-F238E27FC236}">
-                <a16:creationId xmlns:a16="http://schemas.microsoft.com/office/drawing/2014/main" xmlns="" id="{FFA5FB49-57C6-4F6B-9323-A69CAFEE5E1B}"/>
+                <a16:creationId xmlns:a16="http://schemas.microsoft.com/office/drawing/2014/main" id="{FFA5FB49-57C6-4F6B-9323-A69CAFEE5E1B}"/>
               </a:ext>
             </a:extLst>
           </p:cNvPr>
@@ -1738,7 +1736,7 @@
           <p:cNvPr id="6" name="Espace réservé du contenu 5">
             <a:extLst>
               <a:ext uri="{FF2B5EF4-FFF2-40B4-BE49-F238E27FC236}">
-                <a16:creationId xmlns:a16="http://schemas.microsoft.com/office/drawing/2014/main" xmlns="" id="{2B65D0F4-F760-41AF-9595-50606AC2AFC0}"/>
+                <a16:creationId xmlns:a16="http://schemas.microsoft.com/office/drawing/2014/main" id="{2B65D0F4-F760-41AF-9595-50606AC2AFC0}"/>
               </a:ext>
             </a:extLst>
           </p:cNvPr>
@@ -1800,7 +1798,7 @@
           <p:cNvPr id="7" name="Espace réservé de la date 6">
             <a:extLst>
               <a:ext uri="{FF2B5EF4-FFF2-40B4-BE49-F238E27FC236}">
-                <a16:creationId xmlns:a16="http://schemas.microsoft.com/office/drawing/2014/main" xmlns="" id="{9B6143B7-B01F-4E17-A2AC-576123DBCF3C}"/>
+                <a16:creationId xmlns:a16="http://schemas.microsoft.com/office/drawing/2014/main" id="{9B6143B7-B01F-4E17-A2AC-576123DBCF3C}"/>
               </a:ext>
             </a:extLst>
           </p:cNvPr>
@@ -1818,7 +1816,7 @@
           <a:p>
             <a:fld id="{A3F3EA1E-F417-43FF-B8E8-49A1DF7D9404}" type="datetimeFigureOut">
               <a:rPr lang="fr-FR" smtClean="0"/>
-              <a:t>13/11/2023</a:t>
+              <a:t>07/11/2024</a:t>
             </a:fld>
             <a:endParaRPr lang="fr-FR"/>
           </a:p>
@@ -1829,7 +1827,7 @@
           <p:cNvPr id="8" name="Espace réservé du pied de page 7">
             <a:extLst>
               <a:ext uri="{FF2B5EF4-FFF2-40B4-BE49-F238E27FC236}">
-                <a16:creationId xmlns:a16="http://schemas.microsoft.com/office/drawing/2014/main" xmlns="" id="{B3D75F20-C7AB-4B56-9CFF-E21FE99738E3}"/>
+                <a16:creationId xmlns:a16="http://schemas.microsoft.com/office/drawing/2014/main" id="{B3D75F20-C7AB-4B56-9CFF-E21FE99738E3}"/>
               </a:ext>
             </a:extLst>
           </p:cNvPr>
@@ -1854,7 +1852,7 @@
           <p:cNvPr id="9" name="Espace réservé du numéro de diapositive 8">
             <a:extLst>
               <a:ext uri="{FF2B5EF4-FFF2-40B4-BE49-F238E27FC236}">
-                <a16:creationId xmlns:a16="http://schemas.microsoft.com/office/drawing/2014/main" xmlns="" id="{6D40ABDB-B044-452D-93FF-E5DFEAE98094}"/>
+                <a16:creationId xmlns:a16="http://schemas.microsoft.com/office/drawing/2014/main" id="{6D40ABDB-B044-452D-93FF-E5DFEAE98094}"/>
               </a:ext>
             </a:extLst>
           </p:cNvPr>
@@ -1872,7 +1870,7 @@
           <a:p>
             <a:fld id="{AE42E666-9826-403D-B15A-1A2B2CE5C4E0}" type="slidenum">
               <a:rPr lang="fr-FR" smtClean="0"/>
-              <a:t>‹#›</a:t>
+              <a:t>‹N°›</a:t>
             </a:fld>
             <a:endParaRPr lang="fr-FR"/>
           </a:p>
@@ -1913,7 +1911,7 @@
           <p:cNvPr id="2" name="Titre 1">
             <a:extLst>
               <a:ext uri="{FF2B5EF4-FFF2-40B4-BE49-F238E27FC236}">
-                <a16:creationId xmlns:a16="http://schemas.microsoft.com/office/drawing/2014/main" xmlns="" id="{AF79B68A-0BD8-424B-BD62-D720E501417A}"/>
+                <a16:creationId xmlns:a16="http://schemas.microsoft.com/office/drawing/2014/main" id="{AF79B68A-0BD8-424B-BD62-D720E501417A}"/>
               </a:ext>
             </a:extLst>
           </p:cNvPr>
@@ -1941,7 +1939,7 @@
           <p:cNvPr id="3" name="Espace réservé de la date 2">
             <a:extLst>
               <a:ext uri="{FF2B5EF4-FFF2-40B4-BE49-F238E27FC236}">
-                <a16:creationId xmlns:a16="http://schemas.microsoft.com/office/drawing/2014/main" xmlns="" id="{8A04B297-12C1-4982-8886-350FC87DBB80}"/>
+                <a16:creationId xmlns:a16="http://schemas.microsoft.com/office/drawing/2014/main" id="{8A04B297-12C1-4982-8886-350FC87DBB80}"/>
               </a:ext>
             </a:extLst>
           </p:cNvPr>
@@ -1959,7 +1957,7 @@
           <a:p>
             <a:fld id="{A3F3EA1E-F417-43FF-B8E8-49A1DF7D9404}" type="datetimeFigureOut">
               <a:rPr lang="fr-FR" smtClean="0"/>
-              <a:t>13/11/2023</a:t>
+              <a:t>07/11/2024</a:t>
             </a:fld>
             <a:endParaRPr lang="fr-FR"/>
           </a:p>
@@ -1970,7 +1968,7 @@
           <p:cNvPr id="4" name="Espace réservé du pied de page 3">
             <a:extLst>
               <a:ext uri="{FF2B5EF4-FFF2-40B4-BE49-F238E27FC236}">
-                <a16:creationId xmlns:a16="http://schemas.microsoft.com/office/drawing/2014/main" xmlns="" id="{25E4B830-003C-44B1-BEA3-7D1D01FA7734}"/>
+                <a16:creationId xmlns:a16="http://schemas.microsoft.com/office/drawing/2014/main" id="{25E4B830-003C-44B1-BEA3-7D1D01FA7734}"/>
               </a:ext>
             </a:extLst>
           </p:cNvPr>
@@ -1995,7 +1993,7 @@
           <p:cNvPr id="5" name="Espace réservé du numéro de diapositive 4">
             <a:extLst>
               <a:ext uri="{FF2B5EF4-FFF2-40B4-BE49-F238E27FC236}">
-                <a16:creationId xmlns:a16="http://schemas.microsoft.com/office/drawing/2014/main" xmlns="" id="{0209DEBD-34F7-4D5A-A67C-851316E87A8F}"/>
+                <a16:creationId xmlns:a16="http://schemas.microsoft.com/office/drawing/2014/main" id="{0209DEBD-34F7-4D5A-A67C-851316E87A8F}"/>
               </a:ext>
             </a:extLst>
           </p:cNvPr>
@@ -2013,7 +2011,7 @@
           <a:p>
             <a:fld id="{AE42E666-9826-403D-B15A-1A2B2CE5C4E0}" type="slidenum">
               <a:rPr lang="fr-FR" smtClean="0"/>
-              <a:t>‹#›</a:t>
+              <a:t>‹N°›</a:t>
             </a:fld>
             <a:endParaRPr lang="fr-FR"/>
           </a:p>
@@ -2054,7 +2052,7 @@
           <p:cNvPr id="2" name="Espace réservé de la date 1">
             <a:extLst>
               <a:ext uri="{FF2B5EF4-FFF2-40B4-BE49-F238E27FC236}">
-                <a16:creationId xmlns:a16="http://schemas.microsoft.com/office/drawing/2014/main" xmlns="" id="{61F61969-F225-4BB7-8AB7-68929B265302}"/>
+                <a16:creationId xmlns:a16="http://schemas.microsoft.com/office/drawing/2014/main" id="{61F61969-F225-4BB7-8AB7-68929B265302}"/>
               </a:ext>
             </a:extLst>
           </p:cNvPr>
@@ -2072,7 +2070,7 @@
           <a:p>
             <a:fld id="{A3F3EA1E-F417-43FF-B8E8-49A1DF7D9404}" type="datetimeFigureOut">
               <a:rPr lang="fr-FR" smtClean="0"/>
-              <a:t>13/11/2023</a:t>
+              <a:t>07/11/2024</a:t>
             </a:fld>
             <a:endParaRPr lang="fr-FR"/>
           </a:p>
@@ -2083,7 +2081,7 @@
           <p:cNvPr id="3" name="Espace réservé du pied de page 2">
             <a:extLst>
               <a:ext uri="{FF2B5EF4-FFF2-40B4-BE49-F238E27FC236}">
-                <a16:creationId xmlns:a16="http://schemas.microsoft.com/office/drawing/2014/main" xmlns="" id="{19C5BCBC-284B-4E10-A443-D0ECE9496B53}"/>
+                <a16:creationId xmlns:a16="http://schemas.microsoft.com/office/drawing/2014/main" id="{19C5BCBC-284B-4E10-A443-D0ECE9496B53}"/>
               </a:ext>
             </a:extLst>
           </p:cNvPr>
@@ -2108,7 +2106,7 @@
           <p:cNvPr id="4" name="Espace réservé du numéro de diapositive 3">
             <a:extLst>
               <a:ext uri="{FF2B5EF4-FFF2-40B4-BE49-F238E27FC236}">
-                <a16:creationId xmlns:a16="http://schemas.microsoft.com/office/drawing/2014/main" xmlns="" id="{A2F8E29A-248B-475E-8DB6-786AEF0B50DA}"/>
+                <a16:creationId xmlns:a16="http://schemas.microsoft.com/office/drawing/2014/main" id="{A2F8E29A-248B-475E-8DB6-786AEF0B50DA}"/>
               </a:ext>
             </a:extLst>
           </p:cNvPr>
@@ -2126,7 +2124,7 @@
           <a:p>
             <a:fld id="{AE42E666-9826-403D-B15A-1A2B2CE5C4E0}" type="slidenum">
               <a:rPr lang="fr-FR" smtClean="0"/>
-              <a:t>‹#›</a:t>
+              <a:t>‹N°›</a:t>
             </a:fld>
             <a:endParaRPr lang="fr-FR"/>
           </a:p>
@@ -2167,7 +2165,7 @@
           <p:cNvPr id="2" name="Titre 1">
             <a:extLst>
               <a:ext uri="{FF2B5EF4-FFF2-40B4-BE49-F238E27FC236}">
-                <a16:creationId xmlns:a16="http://schemas.microsoft.com/office/drawing/2014/main" xmlns="" id="{4D0285E7-EECF-4304-B237-C7A270A00569}"/>
+                <a16:creationId xmlns:a16="http://schemas.microsoft.com/office/drawing/2014/main" id="{4D0285E7-EECF-4304-B237-C7A270A00569}"/>
               </a:ext>
             </a:extLst>
           </p:cNvPr>
@@ -2204,7 +2202,7 @@
           <p:cNvPr id="3" name="Espace réservé du contenu 2">
             <a:extLst>
               <a:ext uri="{FF2B5EF4-FFF2-40B4-BE49-F238E27FC236}">
-                <a16:creationId xmlns:a16="http://schemas.microsoft.com/office/drawing/2014/main" xmlns="" id="{226FFF2A-EF07-4E37-868D-D332651E8B39}"/>
+                <a16:creationId xmlns:a16="http://schemas.microsoft.com/office/drawing/2014/main" id="{226FFF2A-EF07-4E37-868D-D332651E8B39}"/>
               </a:ext>
             </a:extLst>
           </p:cNvPr>
@@ -2294,7 +2292,7 @@
           <p:cNvPr id="4" name="Espace réservé du texte 3">
             <a:extLst>
               <a:ext uri="{FF2B5EF4-FFF2-40B4-BE49-F238E27FC236}">
-                <a16:creationId xmlns:a16="http://schemas.microsoft.com/office/drawing/2014/main" xmlns="" id="{EEC4AABD-72D8-4E2D-991B-D7C881950893}"/>
+                <a16:creationId xmlns:a16="http://schemas.microsoft.com/office/drawing/2014/main" id="{EEC4AABD-72D8-4E2D-991B-D7C881950893}"/>
               </a:ext>
             </a:extLst>
           </p:cNvPr>
@@ -2365,7 +2363,7 @@
           <p:cNvPr id="5" name="Espace réservé de la date 4">
             <a:extLst>
               <a:ext uri="{FF2B5EF4-FFF2-40B4-BE49-F238E27FC236}">
-                <a16:creationId xmlns:a16="http://schemas.microsoft.com/office/drawing/2014/main" xmlns="" id="{690D8182-E4A7-445D-AEB2-A9EAA209E0F9}"/>
+                <a16:creationId xmlns:a16="http://schemas.microsoft.com/office/drawing/2014/main" id="{690D8182-E4A7-445D-AEB2-A9EAA209E0F9}"/>
               </a:ext>
             </a:extLst>
           </p:cNvPr>
@@ -2383,7 +2381,7 @@
           <a:p>
             <a:fld id="{A3F3EA1E-F417-43FF-B8E8-49A1DF7D9404}" type="datetimeFigureOut">
               <a:rPr lang="fr-FR" smtClean="0"/>
-              <a:t>13/11/2023</a:t>
+              <a:t>07/11/2024</a:t>
             </a:fld>
             <a:endParaRPr lang="fr-FR"/>
           </a:p>
@@ -2394,7 +2392,7 @@
           <p:cNvPr id="6" name="Espace réservé du pied de page 5">
             <a:extLst>
               <a:ext uri="{FF2B5EF4-FFF2-40B4-BE49-F238E27FC236}">
-                <a16:creationId xmlns:a16="http://schemas.microsoft.com/office/drawing/2014/main" xmlns="" id="{E3B03180-C27E-431F-BEBC-680426BAA8E2}"/>
+                <a16:creationId xmlns:a16="http://schemas.microsoft.com/office/drawing/2014/main" id="{E3B03180-C27E-431F-BEBC-680426BAA8E2}"/>
               </a:ext>
             </a:extLst>
           </p:cNvPr>
@@ -2419,7 +2417,7 @@
           <p:cNvPr id="7" name="Espace réservé du numéro de diapositive 6">
             <a:extLst>
               <a:ext uri="{FF2B5EF4-FFF2-40B4-BE49-F238E27FC236}">
-                <a16:creationId xmlns:a16="http://schemas.microsoft.com/office/drawing/2014/main" xmlns="" id="{119BF64B-D6B7-43D8-AD53-41FA1A99CF8F}"/>
+                <a16:creationId xmlns:a16="http://schemas.microsoft.com/office/drawing/2014/main" id="{119BF64B-D6B7-43D8-AD53-41FA1A99CF8F}"/>
               </a:ext>
             </a:extLst>
           </p:cNvPr>
@@ -2437,7 +2435,7 @@
           <a:p>
             <a:fld id="{AE42E666-9826-403D-B15A-1A2B2CE5C4E0}" type="slidenum">
               <a:rPr lang="fr-FR" smtClean="0"/>
-              <a:t>‹#›</a:t>
+              <a:t>‹N°›</a:t>
             </a:fld>
             <a:endParaRPr lang="fr-FR"/>
           </a:p>
@@ -2478,7 +2476,7 @@
           <p:cNvPr id="2" name="Titre 1">
             <a:extLst>
               <a:ext uri="{FF2B5EF4-FFF2-40B4-BE49-F238E27FC236}">
-                <a16:creationId xmlns:a16="http://schemas.microsoft.com/office/drawing/2014/main" xmlns="" id="{B639A4A7-113C-47C2-B193-7919C908D438}"/>
+                <a16:creationId xmlns:a16="http://schemas.microsoft.com/office/drawing/2014/main" id="{B639A4A7-113C-47C2-B193-7919C908D438}"/>
               </a:ext>
             </a:extLst>
           </p:cNvPr>
@@ -2515,7 +2513,7 @@
           <p:cNvPr id="3" name="Espace réservé pour une image  2">
             <a:extLst>
               <a:ext uri="{FF2B5EF4-FFF2-40B4-BE49-F238E27FC236}">
-                <a16:creationId xmlns:a16="http://schemas.microsoft.com/office/drawing/2014/main" xmlns="" id="{9F5C0612-907B-408A-9C17-9DE811FA755B}"/>
+                <a16:creationId xmlns:a16="http://schemas.microsoft.com/office/drawing/2014/main" id="{9F5C0612-907B-408A-9C17-9DE811FA755B}"/>
               </a:ext>
             </a:extLst>
           </p:cNvPr>
@@ -2582,7 +2580,7 @@
           <p:cNvPr id="4" name="Espace réservé du texte 3">
             <a:extLst>
               <a:ext uri="{FF2B5EF4-FFF2-40B4-BE49-F238E27FC236}">
-                <a16:creationId xmlns:a16="http://schemas.microsoft.com/office/drawing/2014/main" xmlns="" id="{0BD526CD-56FC-4954-BF10-905F3C6FAC4D}"/>
+                <a16:creationId xmlns:a16="http://schemas.microsoft.com/office/drawing/2014/main" id="{0BD526CD-56FC-4954-BF10-905F3C6FAC4D}"/>
               </a:ext>
             </a:extLst>
           </p:cNvPr>
@@ -2653,7 +2651,7 @@
           <p:cNvPr id="5" name="Espace réservé de la date 4">
             <a:extLst>
               <a:ext uri="{FF2B5EF4-FFF2-40B4-BE49-F238E27FC236}">
-                <a16:creationId xmlns:a16="http://schemas.microsoft.com/office/drawing/2014/main" xmlns="" id="{10D3BAE4-5582-44F0-92AE-DC29BDCCAC51}"/>
+                <a16:creationId xmlns:a16="http://schemas.microsoft.com/office/drawing/2014/main" id="{10D3BAE4-5582-44F0-92AE-DC29BDCCAC51}"/>
               </a:ext>
             </a:extLst>
           </p:cNvPr>
@@ -2671,7 +2669,7 @@
           <a:p>
             <a:fld id="{A3F3EA1E-F417-43FF-B8E8-49A1DF7D9404}" type="datetimeFigureOut">
               <a:rPr lang="fr-FR" smtClean="0"/>
-              <a:t>13/11/2023</a:t>
+              <a:t>07/11/2024</a:t>
             </a:fld>
             <a:endParaRPr lang="fr-FR"/>
           </a:p>
@@ -2682,7 +2680,7 @@
           <p:cNvPr id="6" name="Espace réservé du pied de page 5">
             <a:extLst>
               <a:ext uri="{FF2B5EF4-FFF2-40B4-BE49-F238E27FC236}">
-                <a16:creationId xmlns:a16="http://schemas.microsoft.com/office/drawing/2014/main" xmlns="" id="{564C4BF9-637B-491A-BBD2-E4994A0E787D}"/>
+                <a16:creationId xmlns:a16="http://schemas.microsoft.com/office/drawing/2014/main" id="{564C4BF9-637B-491A-BBD2-E4994A0E787D}"/>
               </a:ext>
             </a:extLst>
           </p:cNvPr>
@@ -2707,7 +2705,7 @@
           <p:cNvPr id="7" name="Espace réservé du numéro de diapositive 6">
             <a:extLst>
               <a:ext uri="{FF2B5EF4-FFF2-40B4-BE49-F238E27FC236}">
-                <a16:creationId xmlns:a16="http://schemas.microsoft.com/office/drawing/2014/main" xmlns="" id="{5790D857-6670-41C6-A8EC-32E02572CF18}"/>
+                <a16:creationId xmlns:a16="http://schemas.microsoft.com/office/drawing/2014/main" id="{5790D857-6670-41C6-A8EC-32E02572CF18}"/>
               </a:ext>
             </a:extLst>
           </p:cNvPr>
@@ -2725,7 +2723,7 @@
           <a:p>
             <a:fld id="{AE42E666-9826-403D-B15A-1A2B2CE5C4E0}" type="slidenum">
               <a:rPr lang="fr-FR" smtClean="0"/>
-              <a:t>‹#›</a:t>
+              <a:t>‹N°›</a:t>
             </a:fld>
             <a:endParaRPr lang="fr-FR"/>
           </a:p>
@@ -2771,7 +2769,7 @@
           <p:cNvPr id="2" name="Espace réservé du titre 1">
             <a:extLst>
               <a:ext uri="{FF2B5EF4-FFF2-40B4-BE49-F238E27FC236}">
-                <a16:creationId xmlns:a16="http://schemas.microsoft.com/office/drawing/2014/main" xmlns="" id="{B604F847-0164-45C8-860F-2A145FFC21BD}"/>
+                <a16:creationId xmlns:a16="http://schemas.microsoft.com/office/drawing/2014/main" id="{B604F847-0164-45C8-860F-2A145FFC21BD}"/>
               </a:ext>
             </a:extLst>
           </p:cNvPr>
@@ -2809,7 +2807,7 @@
           <p:cNvPr id="3" name="Espace réservé du texte 2">
             <a:extLst>
               <a:ext uri="{FF2B5EF4-FFF2-40B4-BE49-F238E27FC236}">
-                <a16:creationId xmlns:a16="http://schemas.microsoft.com/office/drawing/2014/main" xmlns="" id="{72E10100-DAAF-4F5C-BCDE-9B7E60772DBF}"/>
+                <a16:creationId xmlns:a16="http://schemas.microsoft.com/office/drawing/2014/main" id="{72E10100-DAAF-4F5C-BCDE-9B7E60772DBF}"/>
               </a:ext>
             </a:extLst>
           </p:cNvPr>
@@ -2876,7 +2874,7 @@
           <p:cNvPr id="4" name="Espace réservé de la date 3">
             <a:extLst>
               <a:ext uri="{FF2B5EF4-FFF2-40B4-BE49-F238E27FC236}">
-                <a16:creationId xmlns:a16="http://schemas.microsoft.com/office/drawing/2014/main" xmlns="" id="{76445B1A-24DF-46A5-87E2-1AB7F6ACCB00}"/>
+                <a16:creationId xmlns:a16="http://schemas.microsoft.com/office/drawing/2014/main" id="{76445B1A-24DF-46A5-87E2-1AB7F6ACCB00}"/>
               </a:ext>
             </a:extLst>
           </p:cNvPr>
@@ -2912,7 +2910,7 @@
           <a:p>
             <a:fld id="{A3F3EA1E-F417-43FF-B8E8-49A1DF7D9404}" type="datetimeFigureOut">
               <a:rPr lang="fr-FR" smtClean="0"/>
-              <a:t>13/11/2023</a:t>
+              <a:t>07/11/2024</a:t>
             </a:fld>
             <a:endParaRPr lang="fr-FR"/>
           </a:p>
@@ -2923,7 +2921,7 @@
           <p:cNvPr id="5" name="Espace réservé du pied de page 4">
             <a:extLst>
               <a:ext uri="{FF2B5EF4-FFF2-40B4-BE49-F238E27FC236}">
-                <a16:creationId xmlns:a16="http://schemas.microsoft.com/office/drawing/2014/main" xmlns="" id="{1175BA30-7232-47E6-AD6D-7976338A1EBB}"/>
+                <a16:creationId xmlns:a16="http://schemas.microsoft.com/office/drawing/2014/main" id="{1175BA30-7232-47E6-AD6D-7976338A1EBB}"/>
               </a:ext>
             </a:extLst>
           </p:cNvPr>
@@ -2966,7 +2964,7 @@
           <p:cNvPr id="6" name="Espace réservé du numéro de diapositive 5">
             <a:extLst>
               <a:ext uri="{FF2B5EF4-FFF2-40B4-BE49-F238E27FC236}">
-                <a16:creationId xmlns:a16="http://schemas.microsoft.com/office/drawing/2014/main" xmlns="" id="{8A311C3D-88A7-44F9-9DAC-A496E4CFC6F6}"/>
+                <a16:creationId xmlns:a16="http://schemas.microsoft.com/office/drawing/2014/main" id="{8A311C3D-88A7-44F9-9DAC-A496E4CFC6F6}"/>
               </a:ext>
             </a:extLst>
           </p:cNvPr>
@@ -3002,7 +3000,7 @@
           <a:p>
             <a:fld id="{AE42E666-9826-403D-B15A-1A2B2CE5C4E0}" type="slidenum">
               <a:rPr lang="fr-FR" smtClean="0"/>
-              <a:t>‹#›</a:t>
+              <a:t>‹N°›</a:t>
             </a:fld>
             <a:endParaRPr lang="fr-FR"/>
           </a:p>
@@ -3334,7 +3332,7 @@
           <p:cNvPr id="13" name="Groupe 12">
             <a:extLst>
               <a:ext uri="{FF2B5EF4-FFF2-40B4-BE49-F238E27FC236}">
-                <a16:creationId xmlns:a16="http://schemas.microsoft.com/office/drawing/2014/main" xmlns="" id="{827E114A-CA12-4F8A-B0B1-01C82DE7CA85}"/>
+                <a16:creationId xmlns:a16="http://schemas.microsoft.com/office/drawing/2014/main" id="{827E114A-CA12-4F8A-B0B1-01C82DE7CA85}"/>
               </a:ext>
             </a:extLst>
           </p:cNvPr>
@@ -3354,7 +3352,7 @@
             <p:cNvPr id="14" name="Rectangle : coins arrondis 13">
               <a:extLst>
                 <a:ext uri="{FF2B5EF4-FFF2-40B4-BE49-F238E27FC236}">
-                  <a16:creationId xmlns:a16="http://schemas.microsoft.com/office/drawing/2014/main" xmlns="" id="{A723E91F-7EAA-4685-A383-FB2EE03AC664}"/>
+                  <a16:creationId xmlns:a16="http://schemas.microsoft.com/office/drawing/2014/main" id="{A723E91F-7EAA-4685-A383-FB2EE03AC664}"/>
                 </a:ext>
               </a:extLst>
             </p:cNvPr>
@@ -3402,7 +3400,7 @@
             <p:cNvPr id="15" name="Rectangle : coins arrondis 14">
               <a:extLst>
                 <a:ext uri="{FF2B5EF4-FFF2-40B4-BE49-F238E27FC236}">
-                  <a16:creationId xmlns:a16="http://schemas.microsoft.com/office/drawing/2014/main" xmlns="" id="{87914022-CAA4-4EB6-AF3E-6F0BAC854356}"/>
+                  <a16:creationId xmlns:a16="http://schemas.microsoft.com/office/drawing/2014/main" id="{87914022-CAA4-4EB6-AF3E-6F0BAC854356}"/>
                 </a:ext>
               </a:extLst>
             </p:cNvPr>
@@ -3450,7 +3448,7 @@
             <p:cNvPr id="16" name="Rectangle : coins arrondis 15">
               <a:extLst>
                 <a:ext uri="{FF2B5EF4-FFF2-40B4-BE49-F238E27FC236}">
-                  <a16:creationId xmlns:a16="http://schemas.microsoft.com/office/drawing/2014/main" xmlns="" id="{F2B1F130-F56A-400D-A4E7-3CF423731EEA}"/>
+                  <a16:creationId xmlns:a16="http://schemas.microsoft.com/office/drawing/2014/main" id="{F2B1F130-F56A-400D-A4E7-3CF423731EEA}"/>
                 </a:ext>
               </a:extLst>
             </p:cNvPr>
@@ -3498,7 +3496,7 @@
             <p:cNvPr id="17" name="Connecteur droit avec flèche 16">
               <a:extLst>
                 <a:ext uri="{FF2B5EF4-FFF2-40B4-BE49-F238E27FC236}">
-                  <a16:creationId xmlns:a16="http://schemas.microsoft.com/office/drawing/2014/main" xmlns="" id="{48A8673E-E9F9-4AF3-98F2-2E94E9436B56}"/>
+                  <a16:creationId xmlns:a16="http://schemas.microsoft.com/office/drawing/2014/main" id="{48A8673E-E9F9-4AF3-98F2-2E94E9436B56}"/>
                 </a:ext>
               </a:extLst>
             </p:cNvPr>
@@ -3540,7 +3538,7 @@
             <p:cNvPr id="18" name="Connecteur droit avec flèche 17">
               <a:extLst>
                 <a:ext uri="{FF2B5EF4-FFF2-40B4-BE49-F238E27FC236}">
-                  <a16:creationId xmlns:a16="http://schemas.microsoft.com/office/drawing/2014/main" xmlns="" id="{4160F5A6-250F-4302-894D-7353DD6ED7D6}"/>
+                  <a16:creationId xmlns:a16="http://schemas.microsoft.com/office/drawing/2014/main" id="{4160F5A6-250F-4302-894D-7353DD6ED7D6}"/>
                 </a:ext>
               </a:extLst>
             </p:cNvPr>
@@ -3582,7 +3580,7 @@
             <p:cNvPr id="19" name="Connecteur droit avec flèche 18">
               <a:extLst>
                 <a:ext uri="{FF2B5EF4-FFF2-40B4-BE49-F238E27FC236}">
-                  <a16:creationId xmlns:a16="http://schemas.microsoft.com/office/drawing/2014/main" xmlns="" id="{7CA01E04-77C0-492B-8D14-3C926080F8FB}"/>
+                  <a16:creationId xmlns:a16="http://schemas.microsoft.com/office/drawing/2014/main" id="{7CA01E04-77C0-492B-8D14-3C926080F8FB}"/>
                 </a:ext>
               </a:extLst>
             </p:cNvPr>
@@ -3624,7 +3622,7 @@
             <p:cNvPr id="20" name="ZoneTexte 19">
               <a:extLst>
                 <a:ext uri="{FF2B5EF4-FFF2-40B4-BE49-F238E27FC236}">
-                  <a16:creationId xmlns:a16="http://schemas.microsoft.com/office/drawing/2014/main" xmlns="" id="{B29F5B81-F0EF-4668-A1B2-D60EB8E20CD4}"/>
+                  <a16:creationId xmlns:a16="http://schemas.microsoft.com/office/drawing/2014/main" id="{B29F5B81-F0EF-4668-A1B2-D60EB8E20CD4}"/>
                 </a:ext>
               </a:extLst>
             </p:cNvPr>
@@ -3648,10 +3646,9 @@
             <a:lstStyle/>
             <a:p>
               <a:r>
-                <a:rPr lang="fr-FR" sz="2000" dirty="0" smtClean="0"/>
+                <a:rPr lang="fr-FR" sz="2000" dirty="0"/>
                 <a:t>MOVE FORWARD</a:t>
               </a:r>
-              <a:endParaRPr lang="fr-FR" sz="2000" dirty="0"/>
             </a:p>
           </p:txBody>
         </p:sp>
@@ -3660,7 +3657,7 @@
             <p:cNvPr id="21" name="ZoneTexte 20">
               <a:extLst>
                 <a:ext uri="{FF2B5EF4-FFF2-40B4-BE49-F238E27FC236}">
-                  <a16:creationId xmlns:a16="http://schemas.microsoft.com/office/drawing/2014/main" xmlns="" id="{2F66D446-3266-40C3-99FB-9C5612C5C482}"/>
+                  <a16:creationId xmlns:a16="http://schemas.microsoft.com/office/drawing/2014/main" id="{2F66D446-3266-40C3-99FB-9C5612C5C482}"/>
                 </a:ext>
               </a:extLst>
             </p:cNvPr>
@@ -3684,10 +3681,9 @@
             <a:lstStyle/>
             <a:p>
               <a:r>
-                <a:rPr lang="fr-FR" sz="2000" dirty="0" smtClean="0"/>
+                <a:rPr lang="fr-FR" sz="2000" dirty="0"/>
                 <a:t>START</a:t>
               </a:r>
-              <a:endParaRPr lang="fr-FR" sz="2000" dirty="0"/>
             </a:p>
           </p:txBody>
         </p:sp>
@@ -3696,7 +3692,7 @@
             <p:cNvPr id="22" name="ZoneTexte 21">
               <a:extLst>
                 <a:ext uri="{FF2B5EF4-FFF2-40B4-BE49-F238E27FC236}">
-                  <a16:creationId xmlns:a16="http://schemas.microsoft.com/office/drawing/2014/main" xmlns="" id="{7BFC5064-4DC3-4827-85B4-73AED4E6BE96}"/>
+                  <a16:creationId xmlns:a16="http://schemas.microsoft.com/office/drawing/2014/main" id="{7BFC5064-4DC3-4827-85B4-73AED4E6BE96}"/>
                 </a:ext>
               </a:extLst>
             </p:cNvPr>
@@ -3720,10 +3716,9 @@
             <a:lstStyle/>
             <a:p>
               <a:r>
-                <a:rPr lang="fr-FR" sz="2000" dirty="0" smtClean="0"/>
+                <a:rPr lang="fr-FR" sz="2000" dirty="0"/>
                 <a:t>MOVE BACKWARD</a:t>
               </a:r>
-              <a:endParaRPr lang="fr-FR" sz="2000" dirty="0"/>
             </a:p>
           </p:txBody>
         </p:sp>
@@ -3746,7 +3741,13 @@
   <p:cSld>
     <p:spTree>
       <p:nvGrpSpPr>
-        <p:cNvPr id="1" name=""/>
+        <p:cNvPr id="1" name="">
+          <a:extLst>
+            <a:ext uri="{FF2B5EF4-FFF2-40B4-BE49-F238E27FC236}">
+              <a16:creationId xmlns:a16="http://schemas.microsoft.com/office/drawing/2014/main" id="{59210B74-276A-A967-8474-7FEB92E815B6}"/>
+            </a:ext>
+          </a:extLst>
+        </p:cNvPr>
         <p:cNvGrpSpPr/>
         <p:nvPr/>
       </p:nvGrpSpPr>
@@ -3763,7 +3764,7 @@
           <p:cNvPr id="13" name="Groupe 12">
             <a:extLst>
               <a:ext uri="{FF2B5EF4-FFF2-40B4-BE49-F238E27FC236}">
-                <a16:creationId xmlns:a16="http://schemas.microsoft.com/office/drawing/2014/main" xmlns="" id="{827E114A-CA12-4F8A-B0B1-01C82DE7CA85}"/>
+                <a16:creationId xmlns:a16="http://schemas.microsoft.com/office/drawing/2014/main" id="{3FA9AABD-BCE7-F524-338F-2BA15A8643C4}"/>
               </a:ext>
             </a:extLst>
           </p:cNvPr>
@@ -3773,9 +3774,9 @@
         <p:grpSpPr>
           <a:xfrm>
             <a:off x="4152313" y="2361028"/>
-            <a:ext cx="4807666" cy="1458383"/>
+            <a:ext cx="3378007" cy="2255584"/>
             <a:chOff x="4152313" y="2361028"/>
-            <a:chExt cx="4807666" cy="1458383"/>
+            <a:chExt cx="3378007" cy="2255584"/>
           </a:xfrm>
         </p:grpSpPr>
         <p:sp>
@@ -3783,7 +3784,7 @@
             <p:cNvPr id="14" name="Rectangle : coins arrondis 13">
               <a:extLst>
                 <a:ext uri="{FF2B5EF4-FFF2-40B4-BE49-F238E27FC236}">
-                  <a16:creationId xmlns:a16="http://schemas.microsoft.com/office/drawing/2014/main" xmlns="" id="{A723E91F-7EAA-4685-A383-FB2EE03AC664}"/>
+                  <a16:creationId xmlns:a16="http://schemas.microsoft.com/office/drawing/2014/main" id="{AFB78E96-9FA5-E322-9555-6450E8F0A046}"/>
                 </a:ext>
               </a:extLst>
             </p:cNvPr>
@@ -3831,581 +3832,7 @@
             <p:cNvPr id="15" name="Rectangle : coins arrondis 14">
               <a:extLst>
                 <a:ext uri="{FF2B5EF4-FFF2-40B4-BE49-F238E27FC236}">
-                  <a16:creationId xmlns:a16="http://schemas.microsoft.com/office/drawing/2014/main" xmlns="" id="{87914022-CAA4-4EB6-AF3E-6F0BAC854356}"/>
-                </a:ext>
-              </a:extLst>
-            </p:cNvPr>
-            <p:cNvSpPr/>
-            <p:nvPr/>
-          </p:nvSpPr>
-          <p:spPr>
-            <a:xfrm>
-              <a:off x="4424308" y="3158230"/>
-              <a:ext cx="661181" cy="661181"/>
-            </a:xfrm>
-            <a:prstGeom prst="roundRect">
-              <a:avLst/>
-            </a:prstGeom>
-            <a:ln w="38100"/>
-          </p:spPr>
-          <p:style>
-            <a:lnRef idx="2">
-              <a:schemeClr val="dk1"/>
-            </a:lnRef>
-            <a:fillRef idx="1">
-              <a:schemeClr val="lt1"/>
-            </a:fillRef>
-            <a:effectRef idx="0">
-              <a:schemeClr val="dk1"/>
-            </a:effectRef>
-            <a:fontRef idx="minor">
-              <a:schemeClr val="dk1"/>
-            </a:fontRef>
-          </p:style>
-          <p:txBody>
-            <a:bodyPr rtlCol="0" anchor="ctr"/>
-            <a:lstStyle/>
-            <a:p>
-              <a:pPr algn="ctr"/>
-              <a:r>
-                <a:rPr lang="fr-FR" sz="2400" dirty="0"/>
-                <a:t>D</a:t>
-              </a:r>
-            </a:p>
-          </p:txBody>
-        </p:sp>
-        <p:cxnSp>
-          <p:nvCxnSpPr>
-            <p:cNvPr id="17" name="Connecteur droit avec flèche 16">
-              <a:extLst>
-                <a:ext uri="{FF2B5EF4-FFF2-40B4-BE49-F238E27FC236}">
-                  <a16:creationId xmlns:a16="http://schemas.microsoft.com/office/drawing/2014/main" xmlns="" id="{48A8673E-E9F9-4AF3-98F2-2E94E9436B56}"/>
-                </a:ext>
-              </a:extLst>
-            </p:cNvPr>
-            <p:cNvCxnSpPr/>
-            <p:nvPr/>
-          </p:nvCxnSpPr>
-          <p:spPr>
-            <a:xfrm flipH="1">
-              <a:off x="4989520" y="2676939"/>
-              <a:ext cx="853118" cy="0"/>
-            </a:xfrm>
-            <a:prstGeom prst="straightConnector1">
-              <a:avLst/>
-            </a:prstGeom>
-            <a:ln w="28575">
-              <a:solidFill>
-                <a:schemeClr val="tx1"/>
-              </a:solidFill>
-              <a:tailEnd type="triangle"/>
-            </a:ln>
-          </p:spPr>
-          <p:style>
-            <a:lnRef idx="1">
-              <a:schemeClr val="accent1"/>
-            </a:lnRef>
-            <a:fillRef idx="0">
-              <a:schemeClr val="accent1"/>
-            </a:fillRef>
-            <a:effectRef idx="0">
-              <a:schemeClr val="accent1"/>
-            </a:effectRef>
-            <a:fontRef idx="minor">
-              <a:schemeClr val="tx1"/>
-            </a:fontRef>
-          </p:style>
-        </p:cxnSp>
-        <p:cxnSp>
-          <p:nvCxnSpPr>
-            <p:cNvPr id="18" name="Connecteur droit avec flèche 17">
-              <a:extLst>
-                <a:ext uri="{FF2B5EF4-FFF2-40B4-BE49-F238E27FC236}">
-                  <a16:creationId xmlns:a16="http://schemas.microsoft.com/office/drawing/2014/main" xmlns="" id="{4160F5A6-250F-4302-894D-7353DD6ED7D6}"/>
-                </a:ext>
-              </a:extLst>
-            </p:cNvPr>
-            <p:cNvCxnSpPr/>
-            <p:nvPr/>
-          </p:nvCxnSpPr>
-          <p:spPr>
-            <a:xfrm flipH="1">
-              <a:off x="5242882" y="3428999"/>
-              <a:ext cx="853118" cy="0"/>
-            </a:xfrm>
-            <a:prstGeom prst="straightConnector1">
-              <a:avLst/>
-            </a:prstGeom>
-            <a:ln w="28575">
-              <a:solidFill>
-                <a:schemeClr val="tx1"/>
-              </a:solidFill>
-              <a:tailEnd type="triangle"/>
-            </a:ln>
-          </p:spPr>
-          <p:style>
-            <a:lnRef idx="1">
-              <a:schemeClr val="accent1"/>
-            </a:lnRef>
-            <a:fillRef idx="0">
-              <a:schemeClr val="accent1"/>
-            </a:fillRef>
-            <a:effectRef idx="0">
-              <a:schemeClr val="accent1"/>
-            </a:effectRef>
-            <a:fontRef idx="minor">
-              <a:schemeClr val="tx1"/>
-            </a:fontRef>
-          </p:style>
-        </p:cxnSp>
-        <p:sp>
-          <p:nvSpPr>
-            <p:cNvPr id="20" name="ZoneTexte 19">
-              <a:extLst>
-                <a:ext uri="{FF2B5EF4-FFF2-40B4-BE49-F238E27FC236}">
-                  <a16:creationId xmlns:a16="http://schemas.microsoft.com/office/drawing/2014/main" xmlns="" id="{B29F5B81-F0EF-4668-A1B2-D60EB8E20CD4}"/>
-                </a:ext>
-              </a:extLst>
-            </p:cNvPr>
-            <p:cNvSpPr txBox="1"/>
-            <p:nvPr/>
-          </p:nvSpPr>
-          <p:spPr>
-            <a:xfrm>
-              <a:off x="5857463" y="2446106"/>
-              <a:ext cx="3102516" cy="400110"/>
-            </a:xfrm>
-            <a:prstGeom prst="rect">
-              <a:avLst/>
-            </a:prstGeom>
-            <a:noFill/>
-          </p:spPr>
-          <p:txBody>
-            <a:bodyPr wrap="none" rtlCol="0">
-              <a:spAutoFit/>
-            </a:bodyPr>
-            <a:lstStyle/>
-            <a:p>
-              <a:r>
-                <a:rPr lang="fr-FR" sz="2000" dirty="0" smtClean="0"/>
-                <a:t>MOVE </a:t>
-              </a:r>
-              <a:r>
-                <a:rPr lang="fr-FR" sz="2000" dirty="0" smtClean="0"/>
-                <a:t>FORWARD to </a:t>
-              </a:r>
-              <a:r>
-                <a:rPr lang="fr-FR" sz="2000" dirty="0" err="1" smtClean="0"/>
-                <a:t>aggress</a:t>
-              </a:r>
-              <a:endParaRPr lang="fr-FR" sz="2000" dirty="0"/>
-            </a:p>
-          </p:txBody>
-        </p:sp>
-        <p:sp>
-          <p:nvSpPr>
-            <p:cNvPr id="21" name="ZoneTexte 20">
-              <a:extLst>
-                <a:ext uri="{FF2B5EF4-FFF2-40B4-BE49-F238E27FC236}">
-                  <a16:creationId xmlns:a16="http://schemas.microsoft.com/office/drawing/2014/main" xmlns="" id="{2F66D446-3266-40C3-99FB-9C5612C5C482}"/>
-                </a:ext>
-              </a:extLst>
-            </p:cNvPr>
-            <p:cNvSpPr txBox="1"/>
-            <p:nvPr/>
-          </p:nvSpPr>
-          <p:spPr>
-            <a:xfrm>
-              <a:off x="6096000" y="3198166"/>
-              <a:ext cx="2382447" cy="400110"/>
-            </a:xfrm>
-            <a:prstGeom prst="rect">
-              <a:avLst/>
-            </a:prstGeom>
-            <a:noFill/>
-          </p:spPr>
-          <p:txBody>
-            <a:bodyPr wrap="none" rtlCol="0">
-              <a:spAutoFit/>
-            </a:bodyPr>
-            <a:lstStyle/>
-            <a:p>
-              <a:r>
-                <a:rPr lang="fr-FR" sz="2000" dirty="0" smtClean="0"/>
-                <a:t>START and STAY STILL</a:t>
-              </a:r>
-              <a:endParaRPr lang="fr-FR" sz="2000" dirty="0"/>
-            </a:p>
-          </p:txBody>
-        </p:sp>
-      </p:grpSp>
-    </p:spTree>
-    <p:extLst>
-      <p:ext uri="{BB962C8B-B14F-4D97-AF65-F5344CB8AC3E}">
-        <p14:creationId xmlns:p14="http://schemas.microsoft.com/office/powerpoint/2010/main" val="1006689702"/>
-      </p:ext>
-    </p:extLst>
-  </p:cSld>
-  <p:clrMapOvr>
-    <a:masterClrMapping/>
-  </p:clrMapOvr>
-</p:sld>
-</file>
-
-<file path=ppt/slides/slide3.xml><?xml version="1.0" encoding="utf-8"?>
-<p:sld xmlns:a="http://schemas.openxmlformats.org/drawingml/2006/main" xmlns:r="http://schemas.openxmlformats.org/officeDocument/2006/relationships" xmlns:p="http://schemas.openxmlformats.org/presentationml/2006/main">
-  <p:cSld>
-    <p:spTree>
-      <p:nvGrpSpPr>
-        <p:cNvPr id="1" name=""/>
-        <p:cNvGrpSpPr/>
-        <p:nvPr/>
-      </p:nvGrpSpPr>
-      <p:grpSpPr>
-        <a:xfrm>
-          <a:off x="0" y="0"/>
-          <a:ext cx="0" cy="0"/>
-          <a:chOff x="0" y="0"/>
-          <a:chExt cx="0" cy="0"/>
-        </a:xfrm>
-      </p:grpSpPr>
-      <p:grpSp>
-        <p:nvGrpSpPr>
-          <p:cNvPr id="13" name="Groupe 12">
-            <a:extLst>
-              <a:ext uri="{FF2B5EF4-FFF2-40B4-BE49-F238E27FC236}">
-                <a16:creationId xmlns:a16="http://schemas.microsoft.com/office/drawing/2014/main" xmlns="" id="{827E114A-CA12-4F8A-B0B1-01C82DE7CA85}"/>
-              </a:ext>
-            </a:extLst>
-          </p:cNvPr>
-          <p:cNvGrpSpPr/>
-          <p:nvPr/>
-        </p:nvGrpSpPr>
-        <p:grpSpPr>
-          <a:xfrm>
-            <a:off x="4152313" y="2361028"/>
-            <a:ext cx="4813052" cy="1458383"/>
-            <a:chOff x="4152313" y="2361028"/>
-            <a:chExt cx="4813052" cy="1458383"/>
-          </a:xfrm>
-        </p:grpSpPr>
-        <p:sp>
-          <p:nvSpPr>
-            <p:cNvPr id="14" name="Rectangle : coins arrondis 13">
-              <a:extLst>
-                <a:ext uri="{FF2B5EF4-FFF2-40B4-BE49-F238E27FC236}">
-                  <a16:creationId xmlns:a16="http://schemas.microsoft.com/office/drawing/2014/main" xmlns="" id="{A723E91F-7EAA-4685-A383-FB2EE03AC664}"/>
-                </a:ext>
-              </a:extLst>
-            </p:cNvPr>
-            <p:cNvSpPr/>
-            <p:nvPr/>
-          </p:nvSpPr>
-          <p:spPr>
-            <a:xfrm>
-              <a:off x="4152313" y="2361028"/>
-              <a:ext cx="661181" cy="661181"/>
-            </a:xfrm>
-            <a:prstGeom prst="roundRect">
-              <a:avLst/>
-            </a:prstGeom>
-            <a:ln w="38100"/>
-          </p:spPr>
-          <p:style>
-            <a:lnRef idx="2">
-              <a:schemeClr val="dk1"/>
-            </a:lnRef>
-            <a:fillRef idx="1">
-              <a:schemeClr val="lt1"/>
-            </a:fillRef>
-            <a:effectRef idx="0">
-              <a:schemeClr val="dk1"/>
-            </a:effectRef>
-            <a:fontRef idx="minor">
-              <a:schemeClr val="dk1"/>
-            </a:fontRef>
-          </p:style>
-          <p:txBody>
-            <a:bodyPr rtlCol="0" anchor="ctr"/>
-            <a:lstStyle/>
-            <a:p>
-              <a:pPr algn="ctr"/>
-              <a:r>
-                <a:rPr lang="fr-FR" sz="2400" dirty="0"/>
-                <a:t>E</a:t>
-              </a:r>
-            </a:p>
-          </p:txBody>
-        </p:sp>
-        <p:sp>
-          <p:nvSpPr>
-            <p:cNvPr id="15" name="Rectangle : coins arrondis 14">
-              <a:extLst>
-                <a:ext uri="{FF2B5EF4-FFF2-40B4-BE49-F238E27FC236}">
-                  <a16:creationId xmlns:a16="http://schemas.microsoft.com/office/drawing/2014/main" xmlns="" id="{87914022-CAA4-4EB6-AF3E-6F0BAC854356}"/>
-                </a:ext>
-              </a:extLst>
-            </p:cNvPr>
-            <p:cNvSpPr/>
-            <p:nvPr/>
-          </p:nvSpPr>
-          <p:spPr>
-            <a:xfrm>
-              <a:off x="4424308" y="3158230"/>
-              <a:ext cx="661181" cy="661181"/>
-            </a:xfrm>
-            <a:prstGeom prst="roundRect">
-              <a:avLst/>
-            </a:prstGeom>
-            <a:ln w="38100"/>
-          </p:spPr>
-          <p:style>
-            <a:lnRef idx="2">
-              <a:schemeClr val="dk1"/>
-            </a:lnRef>
-            <a:fillRef idx="1">
-              <a:schemeClr val="lt1"/>
-            </a:fillRef>
-            <a:effectRef idx="0">
-              <a:schemeClr val="dk1"/>
-            </a:effectRef>
-            <a:fontRef idx="minor">
-              <a:schemeClr val="dk1"/>
-            </a:fontRef>
-          </p:style>
-          <p:txBody>
-            <a:bodyPr rtlCol="0" anchor="ctr"/>
-            <a:lstStyle/>
-            <a:p>
-              <a:pPr algn="ctr"/>
-              <a:r>
-                <a:rPr lang="fr-FR" sz="2400" dirty="0"/>
-                <a:t>D</a:t>
-              </a:r>
-            </a:p>
-          </p:txBody>
-        </p:sp>
-        <p:cxnSp>
-          <p:nvCxnSpPr>
-            <p:cNvPr id="17" name="Connecteur droit avec flèche 16">
-              <a:extLst>
-                <a:ext uri="{FF2B5EF4-FFF2-40B4-BE49-F238E27FC236}">
-                  <a16:creationId xmlns:a16="http://schemas.microsoft.com/office/drawing/2014/main" xmlns="" id="{48A8673E-E9F9-4AF3-98F2-2E94E9436B56}"/>
-                </a:ext>
-              </a:extLst>
-            </p:cNvPr>
-            <p:cNvCxnSpPr/>
-            <p:nvPr/>
-          </p:nvCxnSpPr>
-          <p:spPr>
-            <a:xfrm flipH="1">
-              <a:off x="4989520" y="2676939"/>
-              <a:ext cx="853118" cy="0"/>
-            </a:xfrm>
-            <a:prstGeom prst="straightConnector1">
-              <a:avLst/>
-            </a:prstGeom>
-            <a:ln w="28575">
-              <a:solidFill>
-                <a:schemeClr val="tx1"/>
-              </a:solidFill>
-              <a:tailEnd type="triangle"/>
-            </a:ln>
-          </p:spPr>
-          <p:style>
-            <a:lnRef idx="1">
-              <a:schemeClr val="accent1"/>
-            </a:lnRef>
-            <a:fillRef idx="0">
-              <a:schemeClr val="accent1"/>
-            </a:fillRef>
-            <a:effectRef idx="0">
-              <a:schemeClr val="accent1"/>
-            </a:effectRef>
-            <a:fontRef idx="minor">
-              <a:schemeClr val="tx1"/>
-            </a:fontRef>
-          </p:style>
-        </p:cxnSp>
-        <p:cxnSp>
-          <p:nvCxnSpPr>
-            <p:cNvPr id="18" name="Connecteur droit avec flèche 17">
-              <a:extLst>
-                <a:ext uri="{FF2B5EF4-FFF2-40B4-BE49-F238E27FC236}">
-                  <a16:creationId xmlns:a16="http://schemas.microsoft.com/office/drawing/2014/main" xmlns="" id="{4160F5A6-250F-4302-894D-7353DD6ED7D6}"/>
-                </a:ext>
-              </a:extLst>
-            </p:cNvPr>
-            <p:cNvCxnSpPr/>
-            <p:nvPr/>
-          </p:nvCxnSpPr>
-          <p:spPr>
-            <a:xfrm flipH="1">
-              <a:off x="5242882" y="3428999"/>
-              <a:ext cx="853118" cy="0"/>
-            </a:xfrm>
-            <a:prstGeom prst="straightConnector1">
-              <a:avLst/>
-            </a:prstGeom>
-            <a:ln w="28575">
-              <a:solidFill>
-                <a:schemeClr val="tx1"/>
-              </a:solidFill>
-              <a:tailEnd type="triangle"/>
-            </a:ln>
-          </p:spPr>
-          <p:style>
-            <a:lnRef idx="1">
-              <a:schemeClr val="accent1"/>
-            </a:lnRef>
-            <a:fillRef idx="0">
-              <a:schemeClr val="accent1"/>
-            </a:fillRef>
-            <a:effectRef idx="0">
-              <a:schemeClr val="accent1"/>
-            </a:effectRef>
-            <a:fontRef idx="minor">
-              <a:schemeClr val="tx1"/>
-            </a:fontRef>
-          </p:style>
-        </p:cxnSp>
-        <p:sp>
-          <p:nvSpPr>
-            <p:cNvPr id="20" name="ZoneTexte 19">
-              <a:extLst>
-                <a:ext uri="{FF2B5EF4-FFF2-40B4-BE49-F238E27FC236}">
-                  <a16:creationId xmlns:a16="http://schemas.microsoft.com/office/drawing/2014/main" xmlns="" id="{B29F5B81-F0EF-4668-A1B2-D60EB8E20CD4}"/>
-                </a:ext>
-              </a:extLst>
-            </p:cNvPr>
-            <p:cNvSpPr txBox="1"/>
-            <p:nvPr/>
-          </p:nvSpPr>
-          <p:spPr>
-            <a:xfrm>
-              <a:off x="5857463" y="2446106"/>
-              <a:ext cx="3107902" cy="400110"/>
-            </a:xfrm>
-            <a:prstGeom prst="rect">
-              <a:avLst/>
-            </a:prstGeom>
-            <a:noFill/>
-          </p:spPr>
-          <p:txBody>
-            <a:bodyPr wrap="none" rtlCol="0">
-              <a:spAutoFit/>
-            </a:bodyPr>
-            <a:lstStyle/>
-            <a:p>
-              <a:r>
-                <a:rPr lang="fr-FR" sz="2000" dirty="0" smtClean="0"/>
-                <a:t>MOVE </a:t>
-              </a:r>
-              <a:r>
-                <a:rPr lang="fr-FR" sz="2000" dirty="0" smtClean="0"/>
-                <a:t>FORWARD to </a:t>
-              </a:r>
-              <a:r>
-                <a:rPr lang="fr-FR" sz="2000" dirty="0" err="1" smtClean="0"/>
-                <a:t>affiliate</a:t>
-              </a:r>
-              <a:endParaRPr lang="fr-FR" sz="2000" dirty="0"/>
-            </a:p>
-          </p:txBody>
-        </p:sp>
-        <p:sp>
-          <p:nvSpPr>
-            <p:cNvPr id="21" name="ZoneTexte 20">
-              <a:extLst>
-                <a:ext uri="{FF2B5EF4-FFF2-40B4-BE49-F238E27FC236}">
-                  <a16:creationId xmlns:a16="http://schemas.microsoft.com/office/drawing/2014/main" xmlns="" id="{2F66D446-3266-40C3-99FB-9C5612C5C482}"/>
-                </a:ext>
-              </a:extLst>
-            </p:cNvPr>
-            <p:cNvSpPr txBox="1"/>
-            <p:nvPr/>
-          </p:nvSpPr>
-          <p:spPr>
-            <a:xfrm>
-              <a:off x="6096000" y="3198166"/>
-              <a:ext cx="2382447" cy="400110"/>
-            </a:xfrm>
-            <a:prstGeom prst="rect">
-              <a:avLst/>
-            </a:prstGeom>
-            <a:noFill/>
-          </p:spPr>
-          <p:txBody>
-            <a:bodyPr wrap="none" rtlCol="0">
-              <a:spAutoFit/>
-            </a:bodyPr>
-            <a:lstStyle/>
-            <a:p>
-              <a:r>
-                <a:rPr lang="fr-FR" sz="2000" dirty="0" smtClean="0"/>
-                <a:t>START and STAY STILL</a:t>
-              </a:r>
-              <a:endParaRPr lang="fr-FR" sz="2000" dirty="0"/>
-            </a:p>
-          </p:txBody>
-        </p:sp>
-      </p:grpSp>
-    </p:spTree>
-    <p:extLst>
-      <p:ext uri="{BB962C8B-B14F-4D97-AF65-F5344CB8AC3E}">
-        <p14:creationId xmlns:p14="http://schemas.microsoft.com/office/powerpoint/2010/main" val="1479611876"/>
-      </p:ext>
-    </p:extLst>
-  </p:cSld>
-  <p:clrMapOvr>
-    <a:masterClrMapping/>
-  </p:clrMapOvr>
-</p:sld>
-</file>
-
-<file path=ppt/slides/slide4.xml><?xml version="1.0" encoding="utf-8"?>
-<p:sld xmlns:a="http://schemas.openxmlformats.org/drawingml/2006/main" xmlns:r="http://schemas.openxmlformats.org/officeDocument/2006/relationships" xmlns:p="http://schemas.openxmlformats.org/presentationml/2006/main">
-  <p:cSld>
-    <p:spTree>
-      <p:nvGrpSpPr>
-        <p:cNvPr id="1" name=""/>
-        <p:cNvGrpSpPr/>
-        <p:nvPr/>
-      </p:nvGrpSpPr>
-      <p:grpSpPr>
-        <a:xfrm>
-          <a:off x="0" y="0"/>
-          <a:ext cx="0" cy="0"/>
-          <a:chOff x="0" y="0"/>
-          <a:chExt cx="0" cy="0"/>
-        </a:xfrm>
-      </p:grpSpPr>
-      <p:grpSp>
-        <p:nvGrpSpPr>
-          <p:cNvPr id="13" name="Groupe 12">
-            <a:extLst>
-              <a:ext uri="{FF2B5EF4-FFF2-40B4-BE49-F238E27FC236}">
-                <a16:creationId xmlns:a16="http://schemas.microsoft.com/office/drawing/2014/main" xmlns="" id="{827E114A-CA12-4F8A-B0B1-01C82DE7CA85}"/>
-              </a:ext>
-            </a:extLst>
-          </p:cNvPr>
-          <p:cNvGrpSpPr/>
-          <p:nvPr/>
-        </p:nvGrpSpPr>
-        <p:grpSpPr>
-          <a:xfrm>
-            <a:off x="4424308" y="3158230"/>
-            <a:ext cx="5384841" cy="1458382"/>
-            <a:chOff x="4424308" y="3158230"/>
-            <a:chExt cx="5384841" cy="1458382"/>
-          </a:xfrm>
-        </p:grpSpPr>
-        <p:sp>
-          <p:nvSpPr>
-            <p:cNvPr id="15" name="Rectangle : coins arrondis 14">
-              <a:extLst>
-                <a:ext uri="{FF2B5EF4-FFF2-40B4-BE49-F238E27FC236}">
-                  <a16:creationId xmlns:a16="http://schemas.microsoft.com/office/drawing/2014/main" xmlns="" id="{87914022-CAA4-4EB6-AF3E-6F0BAC854356}"/>
+                  <a16:creationId xmlns:a16="http://schemas.microsoft.com/office/drawing/2014/main" id="{A15648A1-21B9-7A23-A4EB-4D519AE4EDAF}"/>
                 </a:ext>
               </a:extLst>
             </p:cNvPr>
@@ -4453,7 +3880,7 @@
             <p:cNvPr id="16" name="Rectangle : coins arrondis 15">
               <a:extLst>
                 <a:ext uri="{FF2B5EF4-FFF2-40B4-BE49-F238E27FC236}">
-                  <a16:creationId xmlns:a16="http://schemas.microsoft.com/office/drawing/2014/main" xmlns="" id="{F2B1F130-F56A-400D-A4E7-3CF423731EEA}"/>
+                  <a16:creationId xmlns:a16="http://schemas.microsoft.com/office/drawing/2014/main" id="{1409309D-74B2-776B-E5DC-C49042E6C361}"/>
                 </a:ext>
               </a:extLst>
             </p:cNvPr>
@@ -4498,10 +3925,52 @@
         </p:sp>
         <p:cxnSp>
           <p:nvCxnSpPr>
+            <p:cNvPr id="17" name="Connecteur droit avec flèche 16">
+              <a:extLst>
+                <a:ext uri="{FF2B5EF4-FFF2-40B4-BE49-F238E27FC236}">
+                  <a16:creationId xmlns:a16="http://schemas.microsoft.com/office/drawing/2014/main" id="{2F39FE46-6B57-2DC8-A184-D08D330B2A49}"/>
+                </a:ext>
+              </a:extLst>
+            </p:cNvPr>
+            <p:cNvCxnSpPr/>
+            <p:nvPr/>
+          </p:nvCxnSpPr>
+          <p:spPr>
+            <a:xfrm flipH="1">
+              <a:off x="4989520" y="2676939"/>
+              <a:ext cx="853118" cy="0"/>
+            </a:xfrm>
+            <a:prstGeom prst="straightConnector1">
+              <a:avLst/>
+            </a:prstGeom>
+            <a:ln w="28575">
+              <a:solidFill>
+                <a:schemeClr val="tx1"/>
+              </a:solidFill>
+              <a:tailEnd type="triangle"/>
+            </a:ln>
+          </p:spPr>
+          <p:style>
+            <a:lnRef idx="1">
+              <a:schemeClr val="accent1"/>
+            </a:lnRef>
+            <a:fillRef idx="0">
+              <a:schemeClr val="accent1"/>
+            </a:fillRef>
+            <a:effectRef idx="0">
+              <a:schemeClr val="accent1"/>
+            </a:effectRef>
+            <a:fontRef idx="minor">
+              <a:schemeClr val="tx1"/>
+            </a:fontRef>
+          </p:style>
+        </p:cxnSp>
+        <p:cxnSp>
+          <p:nvCxnSpPr>
             <p:cNvPr id="18" name="Connecteur droit avec flèche 17">
               <a:extLst>
                 <a:ext uri="{FF2B5EF4-FFF2-40B4-BE49-F238E27FC236}">
-                  <a16:creationId xmlns:a16="http://schemas.microsoft.com/office/drawing/2014/main" xmlns="" id="{4160F5A6-250F-4302-894D-7353DD6ED7D6}"/>
+                  <a16:creationId xmlns:a16="http://schemas.microsoft.com/office/drawing/2014/main" id="{B7637898-319A-1768-824A-E3B7722BBDA1}"/>
                 </a:ext>
               </a:extLst>
             </p:cNvPr>
@@ -4543,7 +4012,7 @@
             <p:cNvPr id="19" name="Connecteur droit avec flèche 18">
               <a:extLst>
                 <a:ext uri="{FF2B5EF4-FFF2-40B4-BE49-F238E27FC236}">
-                  <a16:creationId xmlns:a16="http://schemas.microsoft.com/office/drawing/2014/main" xmlns="" id="{7CA01E04-77C0-492B-8D14-3C926080F8FB}"/>
+                  <a16:creationId xmlns:a16="http://schemas.microsoft.com/office/drawing/2014/main" id="{D1A29E9B-4C0C-33E4-8C62-D24BD0FB9C37}"/>
                 </a:ext>
               </a:extLst>
             </p:cNvPr>
@@ -4582,10 +4051,10 @@
         </p:cxnSp>
         <p:sp>
           <p:nvSpPr>
-            <p:cNvPr id="21" name="ZoneTexte 20">
+            <p:cNvPr id="20" name="ZoneTexte 19">
               <a:extLst>
                 <a:ext uri="{FF2B5EF4-FFF2-40B4-BE49-F238E27FC236}">
-                  <a16:creationId xmlns:a16="http://schemas.microsoft.com/office/drawing/2014/main" xmlns="" id="{2F66D446-3266-40C3-99FB-9C5612C5C482}"/>
+                  <a16:creationId xmlns:a16="http://schemas.microsoft.com/office/drawing/2014/main" id="{1566DBB0-CB9D-1428-2BDD-50CDC48E5DED}"/>
                 </a:ext>
               </a:extLst>
             </p:cNvPr>
@@ -4594,8 +4063,8 @@
           </p:nvSpPr>
           <p:spPr>
             <a:xfrm>
-              <a:off x="6096000" y="3198166"/>
-              <a:ext cx="2382447" cy="400110"/>
+              <a:off x="5857463" y="2446106"/>
+              <a:ext cx="1171346" cy="400110"/>
             </a:xfrm>
             <a:prstGeom prst="rect">
               <a:avLst/>
@@ -4609,19 +4078,18 @@
             <a:lstStyle/>
             <a:p>
               <a:r>
-                <a:rPr lang="fr-FR" sz="2000" dirty="0" smtClean="0"/>
-                <a:t>START and STAY STILL</a:t>
+                <a:rPr lang="fr-FR" sz="2000" dirty="0"/>
+                <a:t>AVANCER</a:t>
               </a:r>
-              <a:endParaRPr lang="fr-FR" sz="2000" dirty="0"/>
             </a:p>
           </p:txBody>
         </p:sp>
         <p:sp>
           <p:nvSpPr>
-            <p:cNvPr id="22" name="ZoneTexte 21">
+            <p:cNvPr id="21" name="ZoneTexte 20">
               <a:extLst>
                 <a:ext uri="{FF2B5EF4-FFF2-40B4-BE49-F238E27FC236}">
-                  <a16:creationId xmlns:a16="http://schemas.microsoft.com/office/drawing/2014/main" xmlns="" id="{7BFC5064-4DC3-4827-85B4-73AED4E6BE96}"/>
+                  <a16:creationId xmlns:a16="http://schemas.microsoft.com/office/drawing/2014/main" id="{056AC5A4-942A-2B97-5792-07CD2301D355}"/>
                 </a:ext>
               </a:extLst>
             </p:cNvPr>
@@ -4630,8 +4098,8 @@
           </p:nvSpPr>
           <p:spPr>
             <a:xfrm>
-              <a:off x="6410911" y="4036367"/>
-              <a:ext cx="3398238" cy="400110"/>
+              <a:off x="6096000" y="3198166"/>
+              <a:ext cx="992003" cy="400110"/>
             </a:xfrm>
             <a:prstGeom prst="rect">
               <a:avLst/>
@@ -4645,26 +4113,44 @@
             <a:lstStyle/>
             <a:p>
               <a:r>
-                <a:rPr lang="fr-FR" sz="2000" dirty="0" smtClean="0"/>
-                <a:t>MOVE </a:t>
+                <a:rPr lang="fr-FR" sz="2000" dirty="0"/>
+                <a:t>DEPART</a:t>
               </a:r>
+            </a:p>
+          </p:txBody>
+        </p:sp>
+        <p:sp>
+          <p:nvSpPr>
+            <p:cNvPr id="22" name="ZoneTexte 21">
+              <a:extLst>
+                <a:ext uri="{FF2B5EF4-FFF2-40B4-BE49-F238E27FC236}">
+                  <a16:creationId xmlns:a16="http://schemas.microsoft.com/office/drawing/2014/main" id="{F9636158-677F-593D-0234-F4A2002521D7}"/>
+                </a:ext>
+              </a:extLst>
+            </p:cNvPr>
+            <p:cNvSpPr txBox="1"/>
+            <p:nvPr/>
+          </p:nvSpPr>
+          <p:spPr>
+            <a:xfrm>
+              <a:off x="6410911" y="4036367"/>
+              <a:ext cx="1119409" cy="400110"/>
+            </a:xfrm>
+            <a:prstGeom prst="rect">
+              <a:avLst/>
+            </a:prstGeom>
+            <a:noFill/>
+          </p:spPr>
+          <p:txBody>
+            <a:bodyPr wrap="none" rtlCol="0">
+              <a:spAutoFit/>
+            </a:bodyPr>
+            <a:lstStyle/>
+            <a:p>
               <a:r>
-                <a:rPr lang="fr-FR" sz="2000" dirty="0" smtClean="0"/>
-                <a:t>BACKWARD to </a:t>
+                <a:rPr lang="fr-FR" sz="2000" dirty="0"/>
+                <a:t>RECULER</a:t>
               </a:r>
-              <a:r>
-                <a:rPr lang="fr-FR" sz="2000" dirty="0" err="1" smtClean="0"/>
-                <a:t>run</a:t>
-              </a:r>
-              <a:r>
-                <a:rPr lang="fr-FR" sz="2000" dirty="0" smtClean="0"/>
-                <a:t> </a:t>
-              </a:r>
-              <a:r>
-                <a:rPr lang="fr-FR" sz="2000" dirty="0" err="1" smtClean="0"/>
-                <a:t>away</a:t>
-              </a:r>
-              <a:endParaRPr lang="fr-FR" sz="2000" dirty="0"/>
             </a:p>
           </p:txBody>
         </p:sp>
@@ -4672,7 +4158,7 @@
     </p:spTree>
     <p:extLst>
       <p:ext uri="{BB962C8B-B14F-4D97-AF65-F5344CB8AC3E}">
-        <p14:creationId xmlns:p14="http://schemas.microsoft.com/office/powerpoint/2010/main" val="1605422606"/>
+        <p14:creationId xmlns:p14="http://schemas.microsoft.com/office/powerpoint/2010/main" val="2833855919"/>
       </p:ext>
     </p:extLst>
   </p:cSld>
